--- a/apresentacao.pptx
+++ b/apresentacao.pptx
@@ -110,6 +110,11 @@
       </a:defRPr>
     </a:lvl9pPr>
   </p:defaultTextStyle>
+  <p:extLst>
+    <p:ext uri="{EFAFB233-063F-42B5-8137-9DF3F51BA10A}">
+      <p15:sldGuideLst xmlns:p15="http://schemas.microsoft.com/office/powerpoint/2012/main"/>
+    </p:ext>
+  </p:extLst>
 </p:presentation>
 </file>
 
@@ -299,7 +304,7 @@
           <a:p>
             <a:fld id="{4AAD347D-5ACD-4C99-B74B-A9C85AD731AF}" type="datetimeFigureOut">
               <a:rPr lang="en-US" dirty="0"/>
-              <a:t>5/6/2021</a:t>
+              <a:t>5/13/2021</a:t>
             </a:fld>
             <a:endParaRPr lang="en-US" dirty="0"/>
           </a:p>
@@ -569,7 +574,7 @@
           <a:p>
             <a:fld id="{4509A250-FF31-4206-8172-F9D3106AACB1}" type="datetimeFigureOut">
               <a:rPr lang="en-US" dirty="0"/>
-              <a:t>5/6/2021</a:t>
+              <a:t>5/13/2021</a:t>
             </a:fld>
             <a:endParaRPr lang="en-US" dirty="0"/>
           </a:p>
@@ -758,7 +763,7 @@
           <a:p>
             <a:fld id="{4509A250-FF31-4206-8172-F9D3106AACB1}" type="datetimeFigureOut">
               <a:rPr lang="en-US" dirty="0"/>
-              <a:t>5/6/2021</a:t>
+              <a:t>5/13/2021</a:t>
             </a:fld>
             <a:endParaRPr lang="en-US" dirty="0"/>
           </a:p>
@@ -1026,7 +1031,7 @@
           <a:p>
             <a:fld id="{4509A250-FF31-4206-8172-F9D3106AACB1}" type="datetimeFigureOut">
               <a:rPr lang="en-US" dirty="0"/>
-              <a:t>5/6/2021</a:t>
+              <a:t>5/13/2021</a:t>
             </a:fld>
             <a:endParaRPr lang="en-US" dirty="0"/>
           </a:p>
@@ -1362,7 +1367,7 @@
           <a:p>
             <a:fld id="{4509A250-FF31-4206-8172-F9D3106AACB1}" type="datetimeFigureOut">
               <a:rPr lang="en-US" dirty="0"/>
-              <a:t>5/6/2021</a:t>
+              <a:t>5/13/2021</a:t>
             </a:fld>
             <a:endParaRPr lang="en-US" dirty="0"/>
           </a:p>
@@ -1980,7 +1985,7 @@
           <a:p>
             <a:fld id="{4509A250-FF31-4206-8172-F9D3106AACB1}" type="datetimeFigureOut">
               <a:rPr lang="en-US" dirty="0"/>
-              <a:t>5/6/2021</a:t>
+              <a:t>5/13/2021</a:t>
             </a:fld>
             <a:endParaRPr lang="en-US" dirty="0"/>
           </a:p>
@@ -2835,7 +2840,7 @@
           <a:p>
             <a:fld id="{4509A250-FF31-4206-8172-F9D3106AACB1}" type="datetimeFigureOut">
               <a:rPr lang="en-US" dirty="0"/>
-              <a:t>5/6/2021</a:t>
+              <a:t>5/13/2021</a:t>
             </a:fld>
             <a:endParaRPr lang="en-US" dirty="0"/>
           </a:p>
@@ -3000,7 +3005,7 @@
           <a:p>
             <a:fld id="{4509A250-FF31-4206-8172-F9D3106AACB1}" type="datetimeFigureOut">
               <a:rPr lang="en-US" dirty="0"/>
-              <a:t>5/6/2021</a:t>
+              <a:t>5/13/2021</a:t>
             </a:fld>
             <a:endParaRPr lang="en-US" dirty="0"/>
           </a:p>
@@ -3175,7 +3180,7 @@
           <a:p>
             <a:fld id="{4509A250-FF31-4206-8172-F9D3106AACB1}" type="datetimeFigureOut">
               <a:rPr lang="en-US" dirty="0"/>
-              <a:t>5/6/2021</a:t>
+              <a:t>5/13/2021</a:t>
             </a:fld>
             <a:endParaRPr lang="en-US" dirty="0"/>
           </a:p>
@@ -3340,7 +3345,7 @@
           <a:p>
             <a:fld id="{4509A250-FF31-4206-8172-F9D3106AACB1}" type="datetimeFigureOut">
               <a:rPr lang="en-US" dirty="0"/>
-              <a:t>5/6/2021</a:t>
+              <a:t>5/13/2021</a:t>
             </a:fld>
             <a:endParaRPr lang="en-US" dirty="0"/>
           </a:p>
@@ -3582,7 +3587,7 @@
           <a:p>
             <a:fld id="{9796027F-7875-4030-9381-8BD8C4F21935}" type="datetimeFigureOut">
               <a:rPr lang="en-US" dirty="0"/>
-              <a:t>5/6/2021</a:t>
+              <a:t>5/13/2021</a:t>
             </a:fld>
             <a:endParaRPr lang="en-US" dirty="0"/>
           </a:p>
@@ -3869,7 +3874,7 @@
           <a:p>
             <a:fld id="{9796027F-7875-4030-9381-8BD8C4F21935}" type="datetimeFigureOut">
               <a:rPr lang="en-US" dirty="0"/>
-              <a:t>5/6/2021</a:t>
+              <a:t>5/13/2021</a:t>
             </a:fld>
             <a:endParaRPr lang="en-US" dirty="0"/>
           </a:p>
@@ -4308,7 +4313,7 @@
           <a:p>
             <a:fld id="{9796027F-7875-4030-9381-8BD8C4F21935}" type="datetimeFigureOut">
               <a:rPr lang="en-US" dirty="0"/>
-              <a:t>5/6/2021</a:t>
+              <a:t>5/13/2021</a:t>
             </a:fld>
             <a:endParaRPr lang="en-US" dirty="0"/>
           </a:p>
@@ -4421,7 +4426,7 @@
           <a:p>
             <a:fld id="{4509A250-FF31-4206-8172-F9D3106AACB1}" type="datetimeFigureOut">
               <a:rPr lang="en-US" dirty="0"/>
-              <a:t>5/6/2021</a:t>
+              <a:t>5/13/2021</a:t>
             </a:fld>
             <a:endParaRPr lang="en-US" dirty="0"/>
           </a:p>
@@ -4511,7 +4516,7 @@
           <a:p>
             <a:fld id="{4509A250-FF31-4206-8172-F9D3106AACB1}" type="datetimeFigureOut">
               <a:rPr lang="en-US" dirty="0"/>
-              <a:t>5/6/2021</a:t>
+              <a:t>5/13/2021</a:t>
             </a:fld>
             <a:endParaRPr lang="en-US" dirty="0"/>
           </a:p>
@@ -4785,7 +4790,7 @@
           <a:p>
             <a:fld id="{4509A250-FF31-4206-8172-F9D3106AACB1}" type="datetimeFigureOut">
               <a:rPr lang="en-US" dirty="0"/>
-              <a:t>5/6/2021</a:t>
+              <a:t>5/13/2021</a:t>
             </a:fld>
             <a:endParaRPr lang="en-US" dirty="0"/>
           </a:p>
@@ -5055,7 +5060,7 @@
           <a:p>
             <a:fld id="{4509A250-FF31-4206-8172-F9D3106AACB1}" type="datetimeFigureOut">
               <a:rPr lang="en-US" dirty="0"/>
-              <a:t>5/6/2021</a:t>
+              <a:t>5/13/2021</a:t>
             </a:fld>
             <a:endParaRPr lang="en-US" dirty="0"/>
           </a:p>
@@ -5479,7 +5484,7 @@
           <a:p>
             <a:fld id="{4AAD347D-5ACD-4C99-B74B-A9C85AD731AF}" type="datetimeFigureOut">
               <a:rPr lang="en-US" dirty="0"/>
-              <a:t>5/6/2021</a:t>
+              <a:t>5/13/2021</a:t>
             </a:fld>
             <a:endParaRPr lang="en-US" dirty="0"/>
           </a:p>
@@ -6679,10 +6684,10 @@
       </p:sp>
       <p:pic>
         <p:nvPicPr>
-          <p:cNvPr id="10" name="Espaço Reservado para Conteúdo 9">
+          <p:cNvPr id="9" name="Espaço Reservado para Conteúdo 8">
             <a:extLst>
               <a:ext uri="{FF2B5EF4-FFF2-40B4-BE49-F238E27FC236}">
-                <a16:creationId xmlns:a16="http://schemas.microsoft.com/office/drawing/2014/main" id="{C05E206F-532F-46F4-B459-A001AB05C7E1}"/>
+                <a16:creationId xmlns:a16="http://schemas.microsoft.com/office/drawing/2014/main" id="{28020584-4A54-4FB8-99CB-6205399D5310}"/>
               </a:ext>
             </a:extLst>
           </p:cNvPr>
@@ -6701,8 +6706,8 @@
         </p:blipFill>
         <p:spPr>
           <a:xfrm>
-            <a:off x="6078743" y="2850626"/>
-            <a:ext cx="5090267" cy="3554655"/>
+            <a:off x="6075182" y="2850628"/>
+            <a:ext cx="5090265" cy="3554654"/>
           </a:xfrm>
         </p:spPr>
       </p:pic>
@@ -6839,7 +6844,15 @@
             </a:pPr>
             <a:r>
               <a:rPr lang="pt-BR" sz="1600" dirty="0"/>
-              <a:t>Repositório: https://github.com/Alvaro-Kothe/Trabalho_CE2</a:t>
+              <a:t>Repositório: </a:t>
+            </a:r>
+            <a:r>
+              <a:rPr lang="pt-BR" sz="1600" dirty="0">
+                <a:solidFill>
+                  <a:srgbClr val="00B0F0"/>
+                </a:solidFill>
+              </a:rPr>
+              <a:t>https://github.com/Alvaro-Kothe/Trabalho_CE2</a:t>
             </a:r>
           </a:p>
         </p:txBody>
